--- a/images/images.pptx
+++ b/images/images.pptx
@@ -6,6 +6,7 @@
   </p:sldMasterIdLst>
   <p:sldIdLst>
     <p:sldId id="256" r:id="rId2"/>
+    <p:sldId id="257" r:id="rId3"/>
   </p:sldIdLst>
   <p:sldSz cx="9144000" cy="6858000" type="screen4x3"/>
   <p:notesSz cx="6858000" cy="9144000"/>
@@ -243,7 +244,7 @@
           <a:p>
             <a:fld id="{F5CDCE9C-6FC4-421F-BA85-8F5AE31EBBCF}" type="datetimeFigureOut">
               <a:rPr kumimoji="1" lang="ja-JP" altLang="en-US" smtClean="0"/>
-              <a:t>2016/4/12</a:t>
+              <a:t>2016/4/13</a:t>
             </a:fld>
             <a:endParaRPr kumimoji="1" lang="ja-JP" altLang="en-US"/>
           </a:p>
@@ -445,7 +446,7 @@
           <a:p>
             <a:fld id="{F5CDCE9C-6FC4-421F-BA85-8F5AE31EBBCF}" type="datetimeFigureOut">
               <a:rPr kumimoji="1" lang="ja-JP" altLang="en-US" smtClean="0"/>
-              <a:t>2016/4/12</a:t>
+              <a:t>2016/4/13</a:t>
             </a:fld>
             <a:endParaRPr kumimoji="1" lang="ja-JP" altLang="en-US"/>
           </a:p>
@@ -657,7 +658,7 @@
           <a:p>
             <a:fld id="{F5CDCE9C-6FC4-421F-BA85-8F5AE31EBBCF}" type="datetimeFigureOut">
               <a:rPr kumimoji="1" lang="ja-JP" altLang="en-US" smtClean="0"/>
-              <a:t>2016/4/12</a:t>
+              <a:t>2016/4/13</a:t>
             </a:fld>
             <a:endParaRPr kumimoji="1" lang="ja-JP" altLang="en-US"/>
           </a:p>
@@ -859,7 +860,7 @@
           <a:p>
             <a:fld id="{F5CDCE9C-6FC4-421F-BA85-8F5AE31EBBCF}" type="datetimeFigureOut">
               <a:rPr kumimoji="1" lang="ja-JP" altLang="en-US" smtClean="0"/>
-              <a:t>2016/4/12</a:t>
+              <a:t>2016/4/13</a:t>
             </a:fld>
             <a:endParaRPr kumimoji="1" lang="ja-JP" altLang="en-US"/>
           </a:p>
@@ -1103,7 +1104,7 @@
           <a:p>
             <a:fld id="{F5CDCE9C-6FC4-421F-BA85-8F5AE31EBBCF}" type="datetimeFigureOut">
               <a:rPr kumimoji="1" lang="ja-JP" altLang="en-US" smtClean="0"/>
-              <a:t>2016/4/12</a:t>
+              <a:t>2016/4/13</a:t>
             </a:fld>
             <a:endParaRPr kumimoji="1" lang="ja-JP" altLang="en-US"/>
           </a:p>
@@ -1399,7 +1400,7 @@
           <a:p>
             <a:fld id="{F5CDCE9C-6FC4-421F-BA85-8F5AE31EBBCF}" type="datetimeFigureOut">
               <a:rPr kumimoji="1" lang="ja-JP" altLang="en-US" smtClean="0"/>
-              <a:t>2016/4/12</a:t>
+              <a:t>2016/4/13</a:t>
             </a:fld>
             <a:endParaRPr kumimoji="1" lang="ja-JP" altLang="en-US"/>
           </a:p>
@@ -1830,7 +1831,7 @@
           <a:p>
             <a:fld id="{F5CDCE9C-6FC4-421F-BA85-8F5AE31EBBCF}" type="datetimeFigureOut">
               <a:rPr kumimoji="1" lang="ja-JP" altLang="en-US" smtClean="0"/>
-              <a:t>2016/4/12</a:t>
+              <a:t>2016/4/13</a:t>
             </a:fld>
             <a:endParaRPr kumimoji="1" lang="ja-JP" altLang="en-US"/>
           </a:p>
@@ -1948,7 +1949,7 @@
           <a:p>
             <a:fld id="{F5CDCE9C-6FC4-421F-BA85-8F5AE31EBBCF}" type="datetimeFigureOut">
               <a:rPr kumimoji="1" lang="ja-JP" altLang="en-US" smtClean="0"/>
-              <a:t>2016/4/12</a:t>
+              <a:t>2016/4/13</a:t>
             </a:fld>
             <a:endParaRPr kumimoji="1" lang="ja-JP" altLang="en-US"/>
           </a:p>
@@ -2043,7 +2044,7 @@
           <a:p>
             <a:fld id="{F5CDCE9C-6FC4-421F-BA85-8F5AE31EBBCF}" type="datetimeFigureOut">
               <a:rPr kumimoji="1" lang="ja-JP" altLang="en-US" smtClean="0"/>
-              <a:t>2016/4/12</a:t>
+              <a:t>2016/4/13</a:t>
             </a:fld>
             <a:endParaRPr kumimoji="1" lang="ja-JP" altLang="en-US"/>
           </a:p>
@@ -2352,7 +2353,7 @@
           <a:p>
             <a:fld id="{F5CDCE9C-6FC4-421F-BA85-8F5AE31EBBCF}" type="datetimeFigureOut">
               <a:rPr kumimoji="1" lang="ja-JP" altLang="en-US" smtClean="0"/>
-              <a:t>2016/4/12</a:t>
+              <a:t>2016/4/13</a:t>
             </a:fld>
             <a:endParaRPr kumimoji="1" lang="ja-JP" altLang="en-US"/>
           </a:p>
@@ -2609,7 +2610,7 @@
           <a:p>
             <a:fld id="{F5CDCE9C-6FC4-421F-BA85-8F5AE31EBBCF}" type="datetimeFigureOut">
               <a:rPr kumimoji="1" lang="ja-JP" altLang="en-US" smtClean="0"/>
-              <a:t>2016/4/12</a:t>
+              <a:t>2016/4/13</a:t>
             </a:fld>
             <a:endParaRPr kumimoji="1" lang="ja-JP" altLang="en-US"/>
           </a:p>
@@ -2857,7 +2858,7 @@
             <a:fld id="{F5CDCE9C-6FC4-421F-BA85-8F5AE31EBBCF}" type="datetimeFigureOut">
               <a:rPr lang="ja-JP" altLang="en-US" smtClean="0"/>
               <a:pPr/>
-              <a:t>2016/4/12</a:t>
+              <a:t>2016/4/13</a:t>
             </a:fld>
             <a:endParaRPr lang="ja-JP" altLang="en-US"/>
           </a:p>
@@ -3391,7 +3392,7 @@
           <a:xfrm>
             <a:off x="1639110" y="2324911"/>
             <a:ext cx="360000" cy="360000"/>
-            <a:chOff x="1940668" y="2996120"/>
+            <a:chOff x="1940668" y="2996121"/>
             <a:chExt cx="1620000" cy="1620000"/>
           </a:xfrm>
         </p:grpSpPr>
@@ -3403,7 +3404,7 @@
           </p:nvSpPr>
           <p:spPr>
             <a:xfrm>
-              <a:off x="1940668" y="2996120"/>
+              <a:off x="1940668" y="2996121"/>
               <a:ext cx="1620000" cy="1620000"/>
             </a:xfrm>
             <a:prstGeom prst="rect">
@@ -3449,8 +3450,8 @@
           </p:nvSpPr>
           <p:spPr>
             <a:xfrm rot="16200000" flipH="1">
-              <a:off x="1969852" y="3198142"/>
-              <a:ext cx="1410510" cy="1215957"/>
+              <a:off x="1969851" y="3198144"/>
+              <a:ext cx="1410512" cy="1215959"/>
             </a:xfrm>
             <a:prstGeom prst="triangle">
               <a:avLst/>
@@ -3495,6 +3496,260 @@
     <p:extLst>
       <p:ext uri="{BB962C8B-B14F-4D97-AF65-F5344CB8AC3E}">
         <p14:creationId xmlns:p14="http://schemas.microsoft.com/office/powerpoint/2010/main" val="1139293"/>
+      </p:ext>
+    </p:extLst>
+  </p:cSld>
+  <p:clrMapOvr>
+    <a:masterClrMapping/>
+  </p:clrMapOvr>
+</p:sld>
+</file>
+
+<file path=ppt/slides/slide2.xml><?xml version="1.0" encoding="utf-8"?>
+<p:sld xmlns:a="http://schemas.openxmlformats.org/drawingml/2006/main" xmlns:r="http://schemas.openxmlformats.org/officeDocument/2006/relationships" xmlns:p="http://schemas.openxmlformats.org/presentationml/2006/main">
+  <p:cSld>
+    <p:spTree>
+      <p:nvGrpSpPr>
+        <p:cNvPr id="1" name=""/>
+        <p:cNvGrpSpPr/>
+        <p:nvPr/>
+      </p:nvGrpSpPr>
+      <p:grpSpPr>
+        <a:xfrm>
+          <a:off x="0" y="0"/>
+          <a:ext cx="0" cy="0"/>
+          <a:chOff x="0" y="0"/>
+          <a:chExt cx="0" cy="0"/>
+        </a:xfrm>
+      </p:grpSpPr>
+      <p:grpSp>
+        <p:nvGrpSpPr>
+          <p:cNvPr id="2" name="グループ化 1"/>
+          <p:cNvGrpSpPr>
+            <a:grpSpLocks noChangeAspect="1"/>
+          </p:cNvGrpSpPr>
+          <p:nvPr/>
+        </p:nvGrpSpPr>
+        <p:grpSpPr>
+          <a:xfrm>
+            <a:off x="85725" y="0"/>
+            <a:ext cx="360000" cy="6858000"/>
+            <a:chOff x="1940668" y="-7465979"/>
+            <a:chExt cx="1620000" cy="30861000"/>
+          </a:xfrm>
+        </p:grpSpPr>
+        <p:sp>
+          <p:nvSpPr>
+            <p:cNvPr id="3" name="正方形/長方形 2"/>
+            <p:cNvSpPr/>
+            <p:nvPr/>
+          </p:nvSpPr>
+          <p:spPr>
+            <a:xfrm>
+              <a:off x="1940668" y="-7465979"/>
+              <a:ext cx="1620000" cy="30861000"/>
+            </a:xfrm>
+            <a:prstGeom prst="rect">
+              <a:avLst/>
+            </a:prstGeom>
+            <a:solidFill>
+              <a:schemeClr val="bg2"/>
+            </a:solidFill>
+            <a:ln>
+              <a:noFill/>
+            </a:ln>
+          </p:spPr>
+          <p:style>
+            <a:lnRef idx="2">
+              <a:schemeClr val="accent1">
+                <a:shade val="50000"/>
+              </a:schemeClr>
+            </a:lnRef>
+            <a:fillRef idx="1">
+              <a:schemeClr val="accent1"/>
+            </a:fillRef>
+            <a:effectRef idx="0">
+              <a:schemeClr val="accent1"/>
+            </a:effectRef>
+            <a:fontRef idx="minor">
+              <a:schemeClr val="lt1"/>
+            </a:fontRef>
+          </p:style>
+          <p:txBody>
+            <a:bodyPr rtlCol="0" anchor="ctr"/>
+            <a:lstStyle/>
+            <a:p>
+              <a:pPr algn="ctr"/>
+              <a:endParaRPr kumimoji="1" lang="ja-JP" altLang="en-US"/>
+            </a:p>
+          </p:txBody>
+        </p:sp>
+        <p:sp>
+          <p:nvSpPr>
+            <p:cNvPr id="4" name="二等辺三角形 3"/>
+            <p:cNvSpPr/>
+            <p:nvPr/>
+          </p:nvSpPr>
+          <p:spPr>
+            <a:xfrm rot="16200000" flipH="1">
+              <a:off x="2001634" y="7356540"/>
+              <a:ext cx="1410512" cy="1215959"/>
+            </a:xfrm>
+            <a:prstGeom prst="triangle">
+              <a:avLst/>
+            </a:prstGeom>
+            <a:solidFill>
+              <a:schemeClr val="tx1">
+                <a:lumMod val="50000"/>
+                <a:lumOff val="50000"/>
+              </a:schemeClr>
+            </a:solidFill>
+            <a:ln>
+              <a:noFill/>
+            </a:ln>
+          </p:spPr>
+          <p:style>
+            <a:lnRef idx="2">
+              <a:schemeClr val="accent1">
+                <a:shade val="50000"/>
+              </a:schemeClr>
+            </a:lnRef>
+            <a:fillRef idx="1">
+              <a:schemeClr val="accent1"/>
+            </a:fillRef>
+            <a:effectRef idx="0">
+              <a:schemeClr val="accent1"/>
+            </a:effectRef>
+            <a:fontRef idx="minor">
+              <a:schemeClr val="lt1"/>
+            </a:fontRef>
+          </p:style>
+          <p:txBody>
+            <a:bodyPr rtlCol="0" anchor="ctr"/>
+            <a:lstStyle/>
+            <a:p>
+              <a:pPr algn="ctr"/>
+              <a:endParaRPr kumimoji="1" lang="ja-JP" altLang="en-US"/>
+            </a:p>
+          </p:txBody>
+        </p:sp>
+      </p:grpSp>
+      <p:grpSp>
+        <p:nvGrpSpPr>
+          <p:cNvPr id="5" name="グループ化 4"/>
+          <p:cNvGrpSpPr>
+            <a:grpSpLocks noChangeAspect="1"/>
+          </p:cNvGrpSpPr>
+          <p:nvPr/>
+        </p:nvGrpSpPr>
+        <p:grpSpPr>
+          <a:xfrm flipH="1">
+            <a:off x="1390650" y="-1"/>
+            <a:ext cx="360000" cy="6858000"/>
+            <a:chOff x="1940668" y="-7465979"/>
+            <a:chExt cx="1620000" cy="30861000"/>
+          </a:xfrm>
+        </p:grpSpPr>
+        <p:sp>
+          <p:nvSpPr>
+            <p:cNvPr id="6" name="正方形/長方形 5"/>
+            <p:cNvSpPr/>
+            <p:nvPr/>
+          </p:nvSpPr>
+          <p:spPr>
+            <a:xfrm>
+              <a:off x="1940668" y="-7465979"/>
+              <a:ext cx="1620000" cy="30861000"/>
+            </a:xfrm>
+            <a:prstGeom prst="rect">
+              <a:avLst/>
+            </a:prstGeom>
+            <a:solidFill>
+              <a:schemeClr val="bg2"/>
+            </a:solidFill>
+            <a:ln>
+              <a:noFill/>
+            </a:ln>
+          </p:spPr>
+          <p:style>
+            <a:lnRef idx="2">
+              <a:schemeClr val="accent1">
+                <a:shade val="50000"/>
+              </a:schemeClr>
+            </a:lnRef>
+            <a:fillRef idx="1">
+              <a:schemeClr val="accent1"/>
+            </a:fillRef>
+            <a:effectRef idx="0">
+              <a:schemeClr val="accent1"/>
+            </a:effectRef>
+            <a:fontRef idx="minor">
+              <a:schemeClr val="lt1"/>
+            </a:fontRef>
+          </p:style>
+          <p:txBody>
+            <a:bodyPr rtlCol="0" anchor="ctr"/>
+            <a:lstStyle/>
+            <a:p>
+              <a:pPr algn="ctr"/>
+              <a:endParaRPr kumimoji="1" lang="ja-JP" altLang="en-US"/>
+            </a:p>
+          </p:txBody>
+        </p:sp>
+        <p:sp>
+          <p:nvSpPr>
+            <p:cNvPr id="7" name="二等辺三角形 6"/>
+            <p:cNvSpPr/>
+            <p:nvPr/>
+          </p:nvSpPr>
+          <p:spPr>
+            <a:xfrm rot="16200000" flipH="1">
+              <a:off x="2001634" y="7356540"/>
+              <a:ext cx="1410512" cy="1215959"/>
+            </a:xfrm>
+            <a:prstGeom prst="triangle">
+              <a:avLst/>
+            </a:prstGeom>
+            <a:solidFill>
+              <a:schemeClr val="tx1">
+                <a:lumMod val="50000"/>
+                <a:lumOff val="50000"/>
+              </a:schemeClr>
+            </a:solidFill>
+            <a:ln>
+              <a:noFill/>
+            </a:ln>
+          </p:spPr>
+          <p:style>
+            <a:lnRef idx="2">
+              <a:schemeClr val="accent1">
+                <a:shade val="50000"/>
+              </a:schemeClr>
+            </a:lnRef>
+            <a:fillRef idx="1">
+              <a:schemeClr val="accent1"/>
+            </a:fillRef>
+            <a:effectRef idx="0">
+              <a:schemeClr val="accent1"/>
+            </a:effectRef>
+            <a:fontRef idx="minor">
+              <a:schemeClr val="lt1"/>
+            </a:fontRef>
+          </p:style>
+          <p:txBody>
+            <a:bodyPr rtlCol="0" anchor="ctr"/>
+            <a:lstStyle/>
+            <a:p>
+              <a:pPr algn="ctr"/>
+              <a:endParaRPr kumimoji="1" lang="ja-JP" altLang="en-US"/>
+            </a:p>
+          </p:txBody>
+        </p:sp>
+      </p:grpSp>
+    </p:spTree>
+    <p:extLst>
+      <p:ext uri="{BB962C8B-B14F-4D97-AF65-F5344CB8AC3E}">
+        <p14:creationId xmlns:p14="http://schemas.microsoft.com/office/powerpoint/2010/main" val="1152663374"/>
       </p:ext>
     </p:extLst>
   </p:cSld>
